--- a/Python Projects & Dataset on Applied Statistics/Presentation on Python projects in Applied Statistics.pptx
+++ b/Python Projects & Dataset on Applied Statistics/Presentation on Python projects in Applied Statistics.pptx
@@ -34,6 +34,12 @@
     <p:sldId id="265" r:id="rId28"/>
     <p:sldId id="283" r:id="rId29"/>
     <p:sldId id="284" r:id="rId30"/>
+    <p:sldId id="285" r:id="rId31"/>
+    <p:sldId id="286" r:id="rId32"/>
+    <p:sldId id="287" r:id="rId33"/>
+    <p:sldId id="288" r:id="rId34"/>
+    <p:sldId id="289" r:id="rId35"/>
+    <p:sldId id="290" r:id="rId36"/>
   </p:sldIdLst>
   <p:sldSz cx="12192000" cy="6858000"/>
   <p:notesSz cx="6858000" cy="9144000"/>
@@ -180,6 +186,16 @@
             <p14:sldId id="284"/>
           </p14:sldIdLst>
         </p14:section>
+        <p14:section name="From Raw data to EDA" id="{E47C7DFC-DC41-4126-8FA7-6BEF6E63F15C}">
+          <p14:sldIdLst>
+            <p14:sldId id="285"/>
+            <p14:sldId id="286"/>
+            <p14:sldId id="287"/>
+            <p14:sldId id="288"/>
+            <p14:sldId id="289"/>
+            <p14:sldId id="290"/>
+          </p14:sldIdLst>
+        </p14:section>
       </p14:sectionLst>
     </p:ext>
     <p:ext uri="{EFAFB233-063F-42B5-8137-9DF3F51BA10A}">
@@ -320,7 +336,7 @@
           <a:p>
             <a:fld id="{0800E26F-1607-4B19-B33C-3A6267442803}" type="datetimeFigureOut">
               <a:rPr lang="en-US" smtClean="0"/>
-              <a:t>9/15/2018</a:t>
+              <a:t>10/21/2018</a:t>
             </a:fld>
             <a:endParaRPr lang="en-US"/>
           </a:p>
@@ -490,7 +506,7 @@
           <a:p>
             <a:fld id="{0800E26F-1607-4B19-B33C-3A6267442803}" type="datetimeFigureOut">
               <a:rPr lang="en-US" smtClean="0"/>
-              <a:t>9/15/2018</a:t>
+              <a:t>10/21/2018</a:t>
             </a:fld>
             <a:endParaRPr lang="en-US"/>
           </a:p>
@@ -670,7 +686,7 @@
           <a:p>
             <a:fld id="{0800E26F-1607-4B19-B33C-3A6267442803}" type="datetimeFigureOut">
               <a:rPr lang="en-US" smtClean="0"/>
-              <a:t>9/15/2018</a:t>
+              <a:t>10/21/2018</a:t>
             </a:fld>
             <a:endParaRPr lang="en-US"/>
           </a:p>
@@ -840,7 +856,7 @@
           <a:p>
             <a:fld id="{0800E26F-1607-4B19-B33C-3A6267442803}" type="datetimeFigureOut">
               <a:rPr lang="en-US" smtClean="0"/>
-              <a:t>9/15/2018</a:t>
+              <a:t>10/21/2018</a:t>
             </a:fld>
             <a:endParaRPr lang="en-US"/>
           </a:p>
@@ -1086,7 +1102,7 @@
           <a:p>
             <a:fld id="{0800E26F-1607-4B19-B33C-3A6267442803}" type="datetimeFigureOut">
               <a:rPr lang="en-US" smtClean="0"/>
-              <a:t>9/15/2018</a:t>
+              <a:t>10/21/2018</a:t>
             </a:fld>
             <a:endParaRPr lang="en-US"/>
           </a:p>
@@ -1318,7 +1334,7 @@
           <a:p>
             <a:fld id="{0800E26F-1607-4B19-B33C-3A6267442803}" type="datetimeFigureOut">
               <a:rPr lang="en-US" smtClean="0"/>
-              <a:t>9/15/2018</a:t>
+              <a:t>10/21/2018</a:t>
             </a:fld>
             <a:endParaRPr lang="en-US"/>
           </a:p>
@@ -1685,7 +1701,7 @@
           <a:p>
             <a:fld id="{0800E26F-1607-4B19-B33C-3A6267442803}" type="datetimeFigureOut">
               <a:rPr lang="en-US" smtClean="0"/>
-              <a:t>9/15/2018</a:t>
+              <a:t>10/21/2018</a:t>
             </a:fld>
             <a:endParaRPr lang="en-US"/>
           </a:p>
@@ -1803,7 +1819,7 @@
           <a:p>
             <a:fld id="{0800E26F-1607-4B19-B33C-3A6267442803}" type="datetimeFigureOut">
               <a:rPr lang="en-US" smtClean="0"/>
-              <a:t>9/15/2018</a:t>
+              <a:t>10/21/2018</a:t>
             </a:fld>
             <a:endParaRPr lang="en-US"/>
           </a:p>
@@ -1898,7 +1914,7 @@
           <a:p>
             <a:fld id="{0800E26F-1607-4B19-B33C-3A6267442803}" type="datetimeFigureOut">
               <a:rPr lang="en-US" smtClean="0"/>
-              <a:t>9/15/2018</a:t>
+              <a:t>10/21/2018</a:t>
             </a:fld>
             <a:endParaRPr lang="en-US"/>
           </a:p>
@@ -2175,7 +2191,7 @@
           <a:p>
             <a:fld id="{0800E26F-1607-4B19-B33C-3A6267442803}" type="datetimeFigureOut">
               <a:rPr lang="en-US" smtClean="0"/>
-              <a:t>9/15/2018</a:t>
+              <a:t>10/21/2018</a:t>
             </a:fld>
             <a:endParaRPr lang="en-US"/>
           </a:p>
@@ -2428,7 +2444,7 @@
           <a:p>
             <a:fld id="{0800E26F-1607-4B19-B33C-3A6267442803}" type="datetimeFigureOut">
               <a:rPr lang="en-US" smtClean="0"/>
-              <a:t>9/15/2018</a:t>
+              <a:t>10/21/2018</a:t>
             </a:fld>
             <a:endParaRPr lang="en-US"/>
           </a:p>
@@ -2657,7 +2673,7 @@
           <a:p>
             <a:fld id="{0800E26F-1607-4B19-B33C-3A6267442803}" type="datetimeFigureOut">
               <a:rPr lang="en-US" smtClean="0"/>
-              <a:t>9/15/2018</a:t>
+              <a:t>10/21/2018</a:t>
             </a:fld>
             <a:endParaRPr lang="en-US"/>
           </a:p>
@@ -9989,8 +10005,8 @@
           </a:p>
         </p:txBody>
       </p:sp>
-      <mc:AlternateContent xmlns:mc="http://schemas.openxmlformats.org/markup-compatibility/2006">
-        <mc:Choice xmlns:a14="http://schemas.microsoft.com/office/drawing/2010/main" Requires="a14">
+      <mc:AlternateContent xmlns:mc="http://schemas.openxmlformats.org/markup-compatibility/2006" xmlns:a14="http://schemas.microsoft.com/office/drawing/2010/main">
+        <mc:Choice Requires="a14">
           <p:sp>
             <p:nvSpPr>
               <p:cNvPr id="3" name="Content Placeholder 2"/>
@@ -10054,7 +10070,16 @@
                               </a:solidFill>
                               <a:latin typeface="Cambria Math" panose="02040503050406030204" pitchFamily="18" charset="0"/>
                             </a:rPr>
-                            <m:t>𝐷𝑎𝑡𝑒</m:t>
+                            <m:t>𝐷</m:t>
+                          </m:r>
+                          <m:r>
+                            <a:rPr lang="en-US" b="0" i="1" smtClean="0">
+                              <a:solidFill>
+                                <a:srgbClr val="7030A0"/>
+                              </a:solidFill>
+                              <a:latin typeface="Cambria Math" panose="02040503050406030204" pitchFamily="18" charset="0"/>
+                            </a:rPr>
+                            <m:t>𝑎𝑡𝑒</m:t>
                           </m:r>
                         </m:e>
                         <m:e>
@@ -10314,7 +10339,7 @@
             </p:txBody>
           </p:sp>
         </mc:Choice>
-        <mc:Fallback>
+        <mc:Fallback xmlns="">
           <p:sp>
             <p:nvSpPr>
               <p:cNvPr id="3" name="Content Placeholder 2"/>
@@ -10468,6 +10493,446 @@
       </p:par>
     </p:tnLst>
   </p:timing>
+</p:sld>
+</file>
+
+<file path=ppt/slides/slide30.xml><?xml version="1.0" encoding="utf-8"?>
+<p:sld xmlns:a="http://schemas.openxmlformats.org/drawingml/2006/main" xmlns:r="http://schemas.openxmlformats.org/officeDocument/2006/relationships" xmlns:p="http://schemas.openxmlformats.org/presentationml/2006/main">
+  <p:cSld>
+    <p:spTree>
+      <p:nvGrpSpPr>
+        <p:cNvPr id="1" name=""/>
+        <p:cNvGrpSpPr/>
+        <p:nvPr/>
+      </p:nvGrpSpPr>
+      <p:grpSpPr>
+        <a:xfrm>
+          <a:off x="0" y="0"/>
+          <a:ext cx="0" cy="0"/>
+          <a:chOff x="0" y="0"/>
+          <a:chExt cx="0" cy="0"/>
+        </a:xfrm>
+      </p:grpSpPr>
+      <p:sp>
+        <p:nvSpPr>
+          <p:cNvPr id="2" name="Title 1"/>
+          <p:cNvSpPr>
+            <a:spLocks noGrp="1"/>
+          </p:cNvSpPr>
+          <p:nvPr>
+            <p:ph type="title"/>
+          </p:nvPr>
+        </p:nvSpPr>
+        <p:spPr/>
+        <p:txBody>
+          <a:bodyPr/>
+          <a:lstStyle/>
+          <a:p>
+            <a:r>
+              <a:rPr lang="en-US" dirty="0" smtClean="0"/>
+              <a:t>Exploratory Data Analysis</a:t>
+            </a:r>
+            <a:endParaRPr lang="en-US" dirty="0"/>
+          </a:p>
+        </p:txBody>
+      </p:sp>
+      <p:sp>
+        <p:nvSpPr>
+          <p:cNvPr id="3" name="Content Placeholder 2"/>
+          <p:cNvSpPr>
+            <a:spLocks noGrp="1"/>
+          </p:cNvSpPr>
+          <p:nvPr>
+            <p:ph idx="1"/>
+          </p:nvPr>
+        </p:nvSpPr>
+        <p:spPr/>
+        <p:txBody>
+          <a:bodyPr/>
+          <a:lstStyle/>
+          <a:p>
+            <a:endParaRPr lang="en-US"/>
+          </a:p>
+        </p:txBody>
+      </p:sp>
+    </p:spTree>
+    <p:extLst>
+      <p:ext uri="{BB962C8B-B14F-4D97-AF65-F5344CB8AC3E}">
+        <p14:creationId xmlns:p14="http://schemas.microsoft.com/office/powerpoint/2010/main" val="1482330028"/>
+      </p:ext>
+    </p:extLst>
+  </p:cSld>
+  <p:clrMapOvr>
+    <a:masterClrMapping/>
+  </p:clrMapOvr>
+</p:sld>
+</file>
+
+<file path=ppt/slides/slide31.xml><?xml version="1.0" encoding="utf-8"?>
+<p:sld xmlns:a="http://schemas.openxmlformats.org/drawingml/2006/main" xmlns:r="http://schemas.openxmlformats.org/officeDocument/2006/relationships" xmlns:p="http://schemas.openxmlformats.org/presentationml/2006/main">
+  <p:cSld>
+    <p:spTree>
+      <p:nvGrpSpPr>
+        <p:cNvPr id="1" name=""/>
+        <p:cNvGrpSpPr/>
+        <p:nvPr/>
+      </p:nvGrpSpPr>
+      <p:grpSpPr>
+        <a:xfrm>
+          <a:off x="0" y="0"/>
+          <a:ext cx="0" cy="0"/>
+          <a:chOff x="0" y="0"/>
+          <a:chExt cx="0" cy="0"/>
+        </a:xfrm>
+      </p:grpSpPr>
+      <p:sp>
+        <p:nvSpPr>
+          <p:cNvPr id="2" name="Title 1"/>
+          <p:cNvSpPr>
+            <a:spLocks noGrp="1"/>
+          </p:cNvSpPr>
+          <p:nvPr>
+            <p:ph type="title"/>
+          </p:nvPr>
+        </p:nvSpPr>
+        <p:spPr/>
+        <p:txBody>
+          <a:bodyPr/>
+          <a:lstStyle/>
+          <a:p>
+            <a:r>
+              <a:rPr lang="en-US" dirty="0" smtClean="0"/>
+              <a:t>Initial Raw data</a:t>
+            </a:r>
+            <a:endParaRPr lang="en-US" dirty="0"/>
+          </a:p>
+        </p:txBody>
+      </p:sp>
+      <p:sp>
+        <p:nvSpPr>
+          <p:cNvPr id="3" name="Content Placeholder 2"/>
+          <p:cNvSpPr>
+            <a:spLocks noGrp="1"/>
+          </p:cNvSpPr>
+          <p:nvPr>
+            <p:ph idx="1"/>
+          </p:nvPr>
+        </p:nvSpPr>
+        <p:spPr/>
+        <p:txBody>
+          <a:bodyPr/>
+          <a:lstStyle/>
+          <a:p>
+            <a:endParaRPr lang="en-US"/>
+          </a:p>
+        </p:txBody>
+      </p:sp>
+    </p:spTree>
+    <p:extLst>
+      <p:ext uri="{BB962C8B-B14F-4D97-AF65-F5344CB8AC3E}">
+        <p14:creationId xmlns:p14="http://schemas.microsoft.com/office/powerpoint/2010/main" val="187424389"/>
+      </p:ext>
+    </p:extLst>
+  </p:cSld>
+  <p:clrMapOvr>
+    <a:masterClrMapping/>
+  </p:clrMapOvr>
+</p:sld>
+</file>
+
+<file path=ppt/slides/slide32.xml><?xml version="1.0" encoding="utf-8"?>
+<p:sld xmlns:a="http://schemas.openxmlformats.org/drawingml/2006/main" xmlns:r="http://schemas.openxmlformats.org/officeDocument/2006/relationships" xmlns:p="http://schemas.openxmlformats.org/presentationml/2006/main">
+  <p:cSld>
+    <p:spTree>
+      <p:nvGrpSpPr>
+        <p:cNvPr id="1" name=""/>
+        <p:cNvGrpSpPr/>
+        <p:nvPr/>
+      </p:nvGrpSpPr>
+      <p:grpSpPr>
+        <a:xfrm>
+          <a:off x="0" y="0"/>
+          <a:ext cx="0" cy="0"/>
+          <a:chOff x="0" y="0"/>
+          <a:chExt cx="0" cy="0"/>
+        </a:xfrm>
+      </p:grpSpPr>
+      <p:sp>
+        <p:nvSpPr>
+          <p:cNvPr id="2" name="Title 1"/>
+          <p:cNvSpPr>
+            <a:spLocks noGrp="1"/>
+          </p:cNvSpPr>
+          <p:nvPr>
+            <p:ph type="title"/>
+          </p:nvPr>
+        </p:nvSpPr>
+        <p:spPr/>
+        <p:txBody>
+          <a:bodyPr/>
+          <a:lstStyle/>
+          <a:p>
+            <a:r>
+              <a:rPr lang="en-US" dirty="0" smtClean="0"/>
+              <a:t>Data preprocessing</a:t>
+            </a:r>
+            <a:endParaRPr lang="en-US" dirty="0"/>
+          </a:p>
+        </p:txBody>
+      </p:sp>
+      <p:sp>
+        <p:nvSpPr>
+          <p:cNvPr id="3" name="Content Placeholder 2"/>
+          <p:cNvSpPr>
+            <a:spLocks noGrp="1"/>
+          </p:cNvSpPr>
+          <p:nvPr>
+            <p:ph idx="1"/>
+          </p:nvPr>
+        </p:nvSpPr>
+        <p:spPr/>
+        <p:txBody>
+          <a:bodyPr/>
+          <a:lstStyle/>
+          <a:p>
+            <a:r>
+              <a:rPr lang="en-US" dirty="0" smtClean="0"/>
+              <a:t>Data Cleaning</a:t>
+            </a:r>
+            <a:endParaRPr lang="en-US" dirty="0"/>
+          </a:p>
+        </p:txBody>
+      </p:sp>
+    </p:spTree>
+    <p:extLst>
+      <p:ext uri="{BB962C8B-B14F-4D97-AF65-F5344CB8AC3E}">
+        <p14:creationId xmlns:p14="http://schemas.microsoft.com/office/powerpoint/2010/main" val="397024406"/>
+      </p:ext>
+    </p:extLst>
+  </p:cSld>
+  <p:clrMapOvr>
+    <a:masterClrMapping/>
+  </p:clrMapOvr>
+</p:sld>
+</file>
+
+<file path=ppt/slides/slide33.xml><?xml version="1.0" encoding="utf-8"?>
+<p:sld xmlns:a="http://schemas.openxmlformats.org/drawingml/2006/main" xmlns:r="http://schemas.openxmlformats.org/officeDocument/2006/relationships" xmlns:p="http://schemas.openxmlformats.org/presentationml/2006/main">
+  <p:cSld>
+    <p:spTree>
+      <p:nvGrpSpPr>
+        <p:cNvPr id="1" name=""/>
+        <p:cNvGrpSpPr/>
+        <p:nvPr/>
+      </p:nvGrpSpPr>
+      <p:grpSpPr>
+        <a:xfrm>
+          <a:off x="0" y="0"/>
+          <a:ext cx="0" cy="0"/>
+          <a:chOff x="0" y="0"/>
+          <a:chExt cx="0" cy="0"/>
+        </a:xfrm>
+      </p:grpSpPr>
+      <p:sp>
+        <p:nvSpPr>
+          <p:cNvPr id="2" name="Title 1"/>
+          <p:cNvSpPr>
+            <a:spLocks noGrp="1"/>
+          </p:cNvSpPr>
+          <p:nvPr>
+            <p:ph type="title"/>
+          </p:nvPr>
+        </p:nvSpPr>
+        <p:spPr/>
+        <p:txBody>
+          <a:bodyPr/>
+          <a:lstStyle/>
+          <a:p>
+            <a:r>
+              <a:rPr lang="en-US" dirty="0" smtClean="0"/>
+              <a:t>Data after preprocessing</a:t>
+            </a:r>
+            <a:endParaRPr lang="en-US" dirty="0"/>
+          </a:p>
+        </p:txBody>
+      </p:sp>
+      <p:sp>
+        <p:nvSpPr>
+          <p:cNvPr id="3" name="Content Placeholder 2"/>
+          <p:cNvSpPr>
+            <a:spLocks noGrp="1"/>
+          </p:cNvSpPr>
+          <p:nvPr>
+            <p:ph idx="1"/>
+          </p:nvPr>
+        </p:nvSpPr>
+        <p:spPr/>
+        <p:txBody>
+          <a:bodyPr/>
+          <a:lstStyle/>
+          <a:p>
+            <a:endParaRPr lang="en-US"/>
+          </a:p>
+        </p:txBody>
+      </p:sp>
+    </p:spTree>
+    <p:extLst>
+      <p:ext uri="{BB962C8B-B14F-4D97-AF65-F5344CB8AC3E}">
+        <p14:creationId xmlns:p14="http://schemas.microsoft.com/office/powerpoint/2010/main" val="1843204190"/>
+      </p:ext>
+    </p:extLst>
+  </p:cSld>
+  <p:clrMapOvr>
+    <a:masterClrMapping/>
+  </p:clrMapOvr>
+</p:sld>
+</file>
+
+<file path=ppt/slides/slide34.xml><?xml version="1.0" encoding="utf-8"?>
+<p:sld xmlns:a="http://schemas.openxmlformats.org/drawingml/2006/main" xmlns:r="http://schemas.openxmlformats.org/officeDocument/2006/relationships" xmlns:p="http://schemas.openxmlformats.org/presentationml/2006/main">
+  <p:cSld>
+    <p:spTree>
+      <p:nvGrpSpPr>
+        <p:cNvPr id="1" name=""/>
+        <p:cNvGrpSpPr/>
+        <p:nvPr/>
+      </p:nvGrpSpPr>
+      <p:grpSpPr>
+        <a:xfrm>
+          <a:off x="0" y="0"/>
+          <a:ext cx="0" cy="0"/>
+          <a:chOff x="0" y="0"/>
+          <a:chExt cx="0" cy="0"/>
+        </a:xfrm>
+      </p:grpSpPr>
+      <p:sp>
+        <p:nvSpPr>
+          <p:cNvPr id="2" name="Title 1"/>
+          <p:cNvSpPr>
+            <a:spLocks noGrp="1"/>
+          </p:cNvSpPr>
+          <p:nvPr>
+            <p:ph type="title"/>
+          </p:nvPr>
+        </p:nvSpPr>
+        <p:spPr/>
+        <p:txBody>
+          <a:bodyPr/>
+          <a:lstStyle/>
+          <a:p>
+            <a:r>
+              <a:rPr lang="en-US" dirty="0" smtClean="0"/>
+              <a:t>Find relationship between variables</a:t>
+            </a:r>
+            <a:endParaRPr lang="en-US" dirty="0"/>
+          </a:p>
+        </p:txBody>
+      </p:sp>
+      <p:sp>
+        <p:nvSpPr>
+          <p:cNvPr id="3" name="Content Placeholder 2"/>
+          <p:cNvSpPr>
+            <a:spLocks noGrp="1"/>
+          </p:cNvSpPr>
+          <p:nvPr>
+            <p:ph idx="1"/>
+          </p:nvPr>
+        </p:nvSpPr>
+        <p:spPr/>
+        <p:txBody>
+          <a:bodyPr/>
+          <a:lstStyle/>
+          <a:p>
+            <a:endParaRPr lang="en-US"/>
+          </a:p>
+        </p:txBody>
+      </p:sp>
+    </p:spTree>
+    <p:extLst>
+      <p:ext uri="{BB962C8B-B14F-4D97-AF65-F5344CB8AC3E}">
+        <p14:creationId xmlns:p14="http://schemas.microsoft.com/office/powerpoint/2010/main" val="4073263964"/>
+      </p:ext>
+    </p:extLst>
+  </p:cSld>
+  <p:clrMapOvr>
+    <a:masterClrMapping/>
+  </p:clrMapOvr>
+</p:sld>
+</file>
+
+<file path=ppt/slides/slide35.xml><?xml version="1.0" encoding="utf-8"?>
+<p:sld xmlns:a="http://schemas.openxmlformats.org/drawingml/2006/main" xmlns:r="http://schemas.openxmlformats.org/officeDocument/2006/relationships" xmlns:p="http://schemas.openxmlformats.org/presentationml/2006/main">
+  <p:cSld>
+    <p:spTree>
+      <p:nvGrpSpPr>
+        <p:cNvPr id="1" name=""/>
+        <p:cNvGrpSpPr/>
+        <p:nvPr/>
+      </p:nvGrpSpPr>
+      <p:grpSpPr>
+        <a:xfrm>
+          <a:off x="0" y="0"/>
+          <a:ext cx="0" cy="0"/>
+          <a:chOff x="0" y="0"/>
+          <a:chExt cx="0" cy="0"/>
+        </a:xfrm>
+      </p:grpSpPr>
+      <p:sp>
+        <p:nvSpPr>
+          <p:cNvPr id="2" name="Title 1"/>
+          <p:cNvSpPr>
+            <a:spLocks noGrp="1"/>
+          </p:cNvSpPr>
+          <p:nvPr>
+            <p:ph type="title"/>
+          </p:nvPr>
+        </p:nvSpPr>
+        <p:spPr/>
+        <p:txBody>
+          <a:bodyPr/>
+          <a:lstStyle/>
+          <a:p>
+            <a:r>
+              <a:rPr lang="en-US" dirty="0" smtClean="0"/>
+              <a:t>Find the properties of </a:t>
+            </a:r>
+            <a:r>
+              <a:rPr lang="en-US" smtClean="0"/>
+              <a:t>certain variable</a:t>
+            </a:r>
+            <a:endParaRPr lang="en-US"/>
+          </a:p>
+        </p:txBody>
+      </p:sp>
+      <p:sp>
+        <p:nvSpPr>
+          <p:cNvPr id="3" name="Content Placeholder 2"/>
+          <p:cNvSpPr>
+            <a:spLocks noGrp="1"/>
+          </p:cNvSpPr>
+          <p:nvPr>
+            <p:ph idx="1"/>
+          </p:nvPr>
+        </p:nvSpPr>
+        <p:spPr/>
+        <p:txBody>
+          <a:bodyPr/>
+          <a:lstStyle/>
+          <a:p>
+            <a:endParaRPr lang="en-US"/>
+          </a:p>
+        </p:txBody>
+      </p:sp>
+    </p:spTree>
+    <p:extLst>
+      <p:ext uri="{BB962C8B-B14F-4D97-AF65-F5344CB8AC3E}">
+        <p14:creationId xmlns:p14="http://schemas.microsoft.com/office/powerpoint/2010/main" val="1984954260"/>
+      </p:ext>
+    </p:extLst>
+  </p:cSld>
+  <p:clrMapOvr>
+    <a:masterClrMapping/>
+  </p:clrMapOvr>
 </p:sld>
 </file>
 

--- a/Python Projects & Dataset on Applied Statistics/Presentation on Python projects in Applied Statistics.pptx
+++ b/Python Projects & Dataset on Applied Statistics/Presentation on Python projects in Applied Statistics.pptx
@@ -10894,13 +10894,9 @@
           <a:p>
             <a:r>
               <a:rPr lang="en-US" dirty="0" smtClean="0"/>
-              <a:t>Find the properties of </a:t>
-            </a:r>
-            <a:r>
-              <a:rPr lang="en-US" smtClean="0"/>
-              <a:t>certain variable</a:t>
-            </a:r>
-            <a:endParaRPr lang="en-US"/>
+              <a:t>Find the properties of certain variable</a:t>
+            </a:r>
+            <a:endParaRPr lang="en-US" dirty="0"/>
           </a:p>
         </p:txBody>
       </p:sp>

--- a/Python Projects & Dataset on Applied Statistics/Presentation on Python projects in Applied Statistics.pptx
+++ b/Python Projects & Dataset on Applied Statistics/Presentation on Python projects in Applied Statistics.pptx
@@ -40,6 +40,10 @@
     <p:sldId id="288" r:id="rId34"/>
     <p:sldId id="289" r:id="rId35"/>
     <p:sldId id="290" r:id="rId36"/>
+    <p:sldId id="291" r:id="rId37"/>
+    <p:sldId id="292" r:id="rId38"/>
+    <p:sldId id="293" r:id="rId39"/>
+    <p:sldId id="294" r:id="rId40"/>
   </p:sldIdLst>
   <p:sldSz cx="12192000" cy="6858000"/>
   <p:notesSz cx="6858000" cy="9144000"/>
@@ -194,6 +198,10 @@
             <p14:sldId id="288"/>
             <p14:sldId id="289"/>
             <p14:sldId id="290"/>
+            <p14:sldId id="291"/>
+            <p14:sldId id="292"/>
+            <p14:sldId id="293"/>
+            <p14:sldId id="294"/>
           </p14:sldIdLst>
         </p14:section>
       </p14:sectionLst>
@@ -336,7 +344,7 @@
           <a:p>
             <a:fld id="{0800E26F-1607-4B19-B33C-3A6267442803}" type="datetimeFigureOut">
               <a:rPr lang="en-US" smtClean="0"/>
-              <a:t>10/21/2018</a:t>
+              <a:t>10/23/2018</a:t>
             </a:fld>
             <a:endParaRPr lang="en-US"/>
           </a:p>
@@ -506,7 +514,7 @@
           <a:p>
             <a:fld id="{0800E26F-1607-4B19-B33C-3A6267442803}" type="datetimeFigureOut">
               <a:rPr lang="en-US" smtClean="0"/>
-              <a:t>10/21/2018</a:t>
+              <a:t>10/23/2018</a:t>
             </a:fld>
             <a:endParaRPr lang="en-US"/>
           </a:p>
@@ -686,7 +694,7 @@
           <a:p>
             <a:fld id="{0800E26F-1607-4B19-B33C-3A6267442803}" type="datetimeFigureOut">
               <a:rPr lang="en-US" smtClean="0"/>
-              <a:t>10/21/2018</a:t>
+              <a:t>10/23/2018</a:t>
             </a:fld>
             <a:endParaRPr lang="en-US"/>
           </a:p>
@@ -856,7 +864,7 @@
           <a:p>
             <a:fld id="{0800E26F-1607-4B19-B33C-3A6267442803}" type="datetimeFigureOut">
               <a:rPr lang="en-US" smtClean="0"/>
-              <a:t>10/21/2018</a:t>
+              <a:t>10/23/2018</a:t>
             </a:fld>
             <a:endParaRPr lang="en-US"/>
           </a:p>
@@ -1102,7 +1110,7 @@
           <a:p>
             <a:fld id="{0800E26F-1607-4B19-B33C-3A6267442803}" type="datetimeFigureOut">
               <a:rPr lang="en-US" smtClean="0"/>
-              <a:t>10/21/2018</a:t>
+              <a:t>10/23/2018</a:t>
             </a:fld>
             <a:endParaRPr lang="en-US"/>
           </a:p>
@@ -1334,7 +1342,7 @@
           <a:p>
             <a:fld id="{0800E26F-1607-4B19-B33C-3A6267442803}" type="datetimeFigureOut">
               <a:rPr lang="en-US" smtClean="0"/>
-              <a:t>10/21/2018</a:t>
+              <a:t>10/23/2018</a:t>
             </a:fld>
             <a:endParaRPr lang="en-US"/>
           </a:p>
@@ -1701,7 +1709,7 @@
           <a:p>
             <a:fld id="{0800E26F-1607-4B19-B33C-3A6267442803}" type="datetimeFigureOut">
               <a:rPr lang="en-US" smtClean="0"/>
-              <a:t>10/21/2018</a:t>
+              <a:t>10/23/2018</a:t>
             </a:fld>
             <a:endParaRPr lang="en-US"/>
           </a:p>
@@ -1819,7 +1827,7 @@
           <a:p>
             <a:fld id="{0800E26F-1607-4B19-B33C-3A6267442803}" type="datetimeFigureOut">
               <a:rPr lang="en-US" smtClean="0"/>
-              <a:t>10/21/2018</a:t>
+              <a:t>10/23/2018</a:t>
             </a:fld>
             <a:endParaRPr lang="en-US"/>
           </a:p>
@@ -1914,7 +1922,7 @@
           <a:p>
             <a:fld id="{0800E26F-1607-4B19-B33C-3A6267442803}" type="datetimeFigureOut">
               <a:rPr lang="en-US" smtClean="0"/>
-              <a:t>10/21/2018</a:t>
+              <a:t>10/23/2018</a:t>
             </a:fld>
             <a:endParaRPr lang="en-US"/>
           </a:p>
@@ -2191,7 +2199,7 @@
           <a:p>
             <a:fld id="{0800E26F-1607-4B19-B33C-3A6267442803}" type="datetimeFigureOut">
               <a:rPr lang="en-US" smtClean="0"/>
-              <a:t>10/21/2018</a:t>
+              <a:t>10/23/2018</a:t>
             </a:fld>
             <a:endParaRPr lang="en-US"/>
           </a:p>
@@ -2444,7 +2452,7 @@
           <a:p>
             <a:fld id="{0800E26F-1607-4B19-B33C-3A6267442803}" type="datetimeFigureOut">
               <a:rPr lang="en-US" smtClean="0"/>
-              <a:t>10/21/2018</a:t>
+              <a:t>10/23/2018</a:t>
             </a:fld>
             <a:endParaRPr lang="en-US"/>
           </a:p>
@@ -2673,7 +2681,7 @@
           <a:p>
             <a:fld id="{0800E26F-1607-4B19-B33C-3A6267442803}" type="datetimeFigureOut">
               <a:rPr lang="en-US" smtClean="0"/>
-              <a:t>10/21/2018</a:t>
+              <a:t>10/23/2018</a:t>
             </a:fld>
             <a:endParaRPr lang="en-US"/>
           </a:p>
@@ -10932,6 +10940,396 @@
 </p:sld>
 </file>
 
+<file path=ppt/slides/slide36.xml><?xml version="1.0" encoding="utf-8"?>
+<p:sld xmlns:a="http://schemas.openxmlformats.org/drawingml/2006/main" xmlns:r="http://schemas.openxmlformats.org/officeDocument/2006/relationships" xmlns:p="http://schemas.openxmlformats.org/presentationml/2006/main">
+  <p:cSld>
+    <p:spTree>
+      <p:nvGrpSpPr>
+        <p:cNvPr id="1" name=""/>
+        <p:cNvGrpSpPr/>
+        <p:nvPr/>
+      </p:nvGrpSpPr>
+      <p:grpSpPr>
+        <a:xfrm>
+          <a:off x="0" y="0"/>
+          <a:ext cx="0" cy="0"/>
+          <a:chOff x="0" y="0"/>
+          <a:chExt cx="0" cy="0"/>
+        </a:xfrm>
+      </p:grpSpPr>
+      <p:sp>
+        <p:nvSpPr>
+          <p:cNvPr id="6" name="Title 5"/>
+          <p:cNvSpPr>
+            <a:spLocks noGrp="1"/>
+          </p:cNvSpPr>
+          <p:nvPr>
+            <p:ph type="ctrTitle"/>
+          </p:nvPr>
+        </p:nvSpPr>
+        <p:spPr>
+          <a:xfrm>
+            <a:off x="882868" y="1548032"/>
+            <a:ext cx="10373711" cy="2387600"/>
+          </a:xfrm>
+        </p:spPr>
+        <p:txBody>
+          <a:bodyPr>
+            <a:normAutofit/>
+          </a:bodyPr>
+          <a:lstStyle/>
+          <a:p>
+            <a:pPr algn="r"/>
+            <a:r>
+              <a:rPr lang="en-US" sz="6600" b="1" dirty="0" smtClean="0">
+                <a:solidFill>
+                  <a:srgbClr val="002060"/>
+                </a:solidFill>
+              </a:rPr>
+              <a:t>Simple Linear Regression</a:t>
+            </a:r>
+            <a:br>
+              <a:rPr lang="en-US" sz="6600" b="1" dirty="0" smtClean="0">
+                <a:solidFill>
+                  <a:srgbClr val="002060"/>
+                </a:solidFill>
+              </a:rPr>
+            </a:br>
+            <a:r>
+              <a:rPr lang="en-US" sz="6600" dirty="0" smtClean="0">
+                <a:solidFill>
+                  <a:srgbClr val="002060"/>
+                </a:solidFill>
+              </a:rPr>
+              <a:t>in Python</a:t>
+            </a:r>
+            <a:endParaRPr lang="en-US" sz="6600" dirty="0">
+              <a:solidFill>
+                <a:srgbClr val="002060"/>
+              </a:solidFill>
+            </a:endParaRPr>
+          </a:p>
+        </p:txBody>
+      </p:sp>
+      <p:sp>
+        <p:nvSpPr>
+          <p:cNvPr id="7" name="Subtitle 6"/>
+          <p:cNvSpPr>
+            <a:spLocks noGrp="1"/>
+          </p:cNvSpPr>
+          <p:nvPr>
+            <p:ph type="subTitle" idx="1"/>
+          </p:nvPr>
+        </p:nvSpPr>
+        <p:spPr>
+          <a:xfrm>
+            <a:off x="1776248" y="4642563"/>
+            <a:ext cx="9144000" cy="1655762"/>
+          </a:xfrm>
+        </p:spPr>
+        <p:txBody>
+          <a:bodyPr/>
+          <a:lstStyle/>
+          <a:p>
+            <a:pPr algn="r"/>
+            <a:r>
+              <a:rPr lang="en-US" dirty="0" smtClean="0">
+                <a:solidFill>
+                  <a:srgbClr val="7030A0"/>
+                </a:solidFill>
+              </a:rPr>
+              <a:t>Presented by </a:t>
+            </a:r>
+            <a:r>
+              <a:rPr lang="en-US" sz="3200" b="1" dirty="0" smtClean="0">
+                <a:solidFill>
+                  <a:srgbClr val="7030A0"/>
+                </a:solidFill>
+              </a:rPr>
+              <a:t>Tanmoy Das</a:t>
+            </a:r>
+          </a:p>
+          <a:p>
+            <a:pPr algn="r"/>
+            <a:r>
+              <a:rPr lang="en-US" dirty="0">
+                <a:solidFill>
+                  <a:srgbClr val="7030A0"/>
+                </a:solidFill>
+              </a:rPr>
+              <a:t>https://github.com/tanmoyie/Applied-Statistics</a:t>
+            </a:r>
+          </a:p>
+        </p:txBody>
+      </p:sp>
+    </p:spTree>
+    <p:extLst>
+      <p:ext uri="{BB962C8B-B14F-4D97-AF65-F5344CB8AC3E}">
+        <p14:creationId xmlns:p14="http://schemas.microsoft.com/office/powerpoint/2010/main" val="1571765573"/>
+      </p:ext>
+    </p:extLst>
+  </p:cSld>
+  <p:clrMapOvr>
+    <a:masterClrMapping/>
+  </p:clrMapOvr>
+</p:sld>
+</file>
+
+<file path=ppt/slides/slide37.xml><?xml version="1.0" encoding="utf-8"?>
+<p:sld xmlns:a="http://schemas.openxmlformats.org/drawingml/2006/main" xmlns:r="http://schemas.openxmlformats.org/officeDocument/2006/relationships" xmlns:p="http://schemas.openxmlformats.org/presentationml/2006/main">
+  <p:cSld>
+    <p:spTree>
+      <p:nvGrpSpPr>
+        <p:cNvPr id="1" name=""/>
+        <p:cNvGrpSpPr/>
+        <p:nvPr/>
+      </p:nvGrpSpPr>
+      <p:grpSpPr>
+        <a:xfrm>
+          <a:off x="0" y="0"/>
+          <a:ext cx="0" cy="0"/>
+          <a:chOff x="0" y="0"/>
+          <a:chExt cx="0" cy="0"/>
+        </a:xfrm>
+      </p:grpSpPr>
+      <p:sp>
+        <p:nvSpPr>
+          <p:cNvPr id="2" name="Title 1"/>
+          <p:cNvSpPr>
+            <a:spLocks noGrp="1"/>
+          </p:cNvSpPr>
+          <p:nvPr>
+            <p:ph type="title"/>
+          </p:nvPr>
+        </p:nvSpPr>
+        <p:spPr/>
+        <p:txBody>
+          <a:bodyPr>
+            <a:normAutofit/>
+          </a:bodyPr>
+          <a:lstStyle/>
+          <a:p>
+            <a:pPr algn="ctr"/>
+            <a:r>
+              <a:rPr lang="en-US" sz="6000" b="1" dirty="0" smtClean="0"/>
+              <a:t>Requirement</a:t>
+            </a:r>
+            <a:endParaRPr lang="en-US" sz="6000" b="1" dirty="0"/>
+          </a:p>
+        </p:txBody>
+      </p:sp>
+      <p:sp>
+        <p:nvSpPr>
+          <p:cNvPr id="3" name="Content Placeholder 2"/>
+          <p:cNvSpPr>
+            <a:spLocks noGrp="1"/>
+          </p:cNvSpPr>
+          <p:nvPr>
+            <p:ph idx="1"/>
+          </p:nvPr>
+        </p:nvSpPr>
+        <p:spPr/>
+        <p:txBody>
+          <a:bodyPr>
+            <a:normAutofit/>
+          </a:bodyPr>
+          <a:lstStyle/>
+          <a:p>
+            <a:r>
+              <a:rPr lang="en-US" sz="4400" dirty="0" smtClean="0"/>
+              <a:t>Pandas &amp; </a:t>
+            </a:r>
+            <a:r>
+              <a:rPr lang="en-US" sz="4400" dirty="0" err="1" smtClean="0"/>
+              <a:t>Statsmodels</a:t>
+            </a:r>
+            <a:r>
+              <a:rPr lang="en-US" sz="4400" dirty="0" smtClean="0"/>
+              <a:t> installed</a:t>
+            </a:r>
+          </a:p>
+          <a:p>
+            <a:r>
+              <a:rPr lang="en-US" sz="4400" dirty="0" smtClean="0"/>
+              <a:t>I’ve run it in Spider IDE of Anaconda. If you don’t have them installed in your machine, you might end up running in kaggle.com as well</a:t>
+            </a:r>
+            <a:endParaRPr lang="en-US" sz="4400" dirty="0"/>
+          </a:p>
+        </p:txBody>
+      </p:sp>
+    </p:spTree>
+    <p:extLst>
+      <p:ext uri="{BB962C8B-B14F-4D97-AF65-F5344CB8AC3E}">
+        <p14:creationId xmlns:p14="http://schemas.microsoft.com/office/powerpoint/2010/main" val="2412636038"/>
+      </p:ext>
+    </p:extLst>
+  </p:cSld>
+  <p:clrMapOvr>
+    <a:masterClrMapping/>
+  </p:clrMapOvr>
+</p:sld>
+</file>
+
+<file path=ppt/slides/slide38.xml><?xml version="1.0" encoding="utf-8"?>
+<p:sld xmlns:a="http://schemas.openxmlformats.org/drawingml/2006/main" xmlns:r="http://schemas.openxmlformats.org/officeDocument/2006/relationships" xmlns:p="http://schemas.openxmlformats.org/presentationml/2006/main">
+  <p:cSld>
+    <p:spTree>
+      <p:nvGrpSpPr>
+        <p:cNvPr id="1" name=""/>
+        <p:cNvGrpSpPr/>
+        <p:nvPr/>
+      </p:nvGrpSpPr>
+      <p:grpSpPr>
+        <a:xfrm>
+          <a:off x="0" y="0"/>
+          <a:ext cx="0" cy="0"/>
+          <a:chOff x="0" y="0"/>
+          <a:chExt cx="0" cy="0"/>
+        </a:xfrm>
+      </p:grpSpPr>
+      <p:sp>
+        <p:nvSpPr>
+          <p:cNvPr id="2" name="Title 1"/>
+          <p:cNvSpPr>
+            <a:spLocks noGrp="1"/>
+          </p:cNvSpPr>
+          <p:nvPr>
+            <p:ph type="title"/>
+          </p:nvPr>
+        </p:nvSpPr>
+        <p:spPr/>
+        <p:txBody>
+          <a:bodyPr/>
+          <a:lstStyle/>
+          <a:p>
+            <a:r>
+              <a:rPr lang="en-US" b="1" dirty="0" smtClean="0"/>
+              <a:t>Dataset</a:t>
+            </a:r>
+            <a:endParaRPr lang="en-US" b="1" dirty="0"/>
+          </a:p>
+        </p:txBody>
+      </p:sp>
+      <p:sp>
+        <p:nvSpPr>
+          <p:cNvPr id="3" name="Content Placeholder 2"/>
+          <p:cNvSpPr>
+            <a:spLocks noGrp="1"/>
+          </p:cNvSpPr>
+          <p:nvPr>
+            <p:ph idx="1"/>
+          </p:nvPr>
+        </p:nvSpPr>
+        <p:spPr/>
+        <p:txBody>
+          <a:bodyPr/>
+          <a:lstStyle/>
+          <a:p>
+            <a:r>
+              <a:rPr lang="en-US" dirty="0">
+                <a:hlinkClick r:id="rId2"/>
+              </a:rPr>
+              <a:t>https://archive.ics.uci.edu/ml/datasets/Communities+and+Crime+Unnormalized</a:t>
+            </a:r>
+            <a:r>
+              <a:rPr lang="en-US" dirty="0" smtClean="0">
+                <a:hlinkClick r:id="rId2"/>
+              </a:rPr>
+              <a:t>#</a:t>
+            </a:r>
+            <a:r>
+              <a:rPr lang="en-US" dirty="0" smtClean="0"/>
+              <a:t> </a:t>
+            </a:r>
+            <a:endParaRPr lang="en-US" dirty="0"/>
+          </a:p>
+        </p:txBody>
+      </p:sp>
+    </p:spTree>
+    <p:extLst>
+      <p:ext uri="{BB962C8B-B14F-4D97-AF65-F5344CB8AC3E}">
+        <p14:creationId xmlns:p14="http://schemas.microsoft.com/office/powerpoint/2010/main" val="3160886699"/>
+      </p:ext>
+    </p:extLst>
+  </p:cSld>
+  <p:clrMapOvr>
+    <a:masterClrMapping/>
+  </p:clrMapOvr>
+</p:sld>
+</file>
+
+<file path=ppt/slides/slide39.xml><?xml version="1.0" encoding="utf-8"?>
+<p:sld xmlns:a="http://schemas.openxmlformats.org/drawingml/2006/main" xmlns:r="http://schemas.openxmlformats.org/officeDocument/2006/relationships" xmlns:p="http://schemas.openxmlformats.org/presentationml/2006/main">
+  <p:cSld>
+    <p:spTree>
+      <p:nvGrpSpPr>
+        <p:cNvPr id="1" name=""/>
+        <p:cNvGrpSpPr/>
+        <p:nvPr/>
+      </p:nvGrpSpPr>
+      <p:grpSpPr>
+        <a:xfrm>
+          <a:off x="0" y="0"/>
+          <a:ext cx="0" cy="0"/>
+          <a:chOff x="0" y="0"/>
+          <a:chExt cx="0" cy="0"/>
+        </a:xfrm>
+      </p:grpSpPr>
+      <p:sp>
+        <p:nvSpPr>
+          <p:cNvPr id="2" name="Title 1"/>
+          <p:cNvSpPr>
+            <a:spLocks noGrp="1"/>
+          </p:cNvSpPr>
+          <p:nvPr>
+            <p:ph type="title"/>
+          </p:nvPr>
+        </p:nvSpPr>
+        <p:spPr/>
+        <p:txBody>
+          <a:bodyPr/>
+          <a:lstStyle/>
+          <a:p>
+            <a:r>
+              <a:rPr lang="en-US" b="1" dirty="0" smtClean="0"/>
+              <a:t>Python Program</a:t>
+            </a:r>
+            <a:endParaRPr lang="en-US" b="1" dirty="0"/>
+          </a:p>
+        </p:txBody>
+      </p:sp>
+      <p:sp>
+        <p:nvSpPr>
+          <p:cNvPr id="3" name="Content Placeholder 2"/>
+          <p:cNvSpPr>
+            <a:spLocks noGrp="1"/>
+          </p:cNvSpPr>
+          <p:nvPr>
+            <p:ph idx="1"/>
+          </p:nvPr>
+        </p:nvSpPr>
+        <p:spPr/>
+        <p:txBody>
+          <a:bodyPr/>
+          <a:lstStyle/>
+          <a:p>
+            <a:endParaRPr lang="en-US"/>
+          </a:p>
+        </p:txBody>
+      </p:sp>
+    </p:spTree>
+    <p:extLst>
+      <p:ext uri="{BB962C8B-B14F-4D97-AF65-F5344CB8AC3E}">
+        <p14:creationId xmlns:p14="http://schemas.microsoft.com/office/powerpoint/2010/main" val="487873304"/>
+      </p:ext>
+    </p:extLst>
+  </p:cSld>
+  <p:clrMapOvr>
+    <a:masterClrMapping/>
+  </p:clrMapOvr>
+</p:sld>
+</file>
+
 <file path=ppt/slides/slide4.xml><?xml version="1.0" encoding="utf-8"?>
 <p:sld xmlns:a="http://schemas.openxmlformats.org/drawingml/2006/main" xmlns:r="http://schemas.openxmlformats.org/officeDocument/2006/relationships" xmlns:p="http://schemas.openxmlformats.org/presentationml/2006/main">
   <p:cSld>
